--- a/Slides/xml.pptx
+++ b/Slides/xml.pptx
@@ -4938,7 +4938,7 @@
             </a:pPr>
             <a:r>
               <a:rPr lang="en-US"/>
-              <a:t>  &lt;!ELEMENT person (name, phone, age)&gt;</a:t>
+              <a:t>  &lt;!ELEMENT person (name, phone+, age)&gt;</a:t>
             </a:r>
             <a:endParaRPr lang="en-US"/>
           </a:p>
